--- a/FinalReport/FinalPresent.pptx
+++ b/FinalReport/FinalPresent.pptx
@@ -7,6 +7,10 @@
   <p:sldIdLst>
     <p:sldId id="256" r:id="rId2"/>
     <p:sldId id="257" r:id="rId3"/>
+    <p:sldId id="258" r:id="rId4"/>
+    <p:sldId id="259" r:id="rId5"/>
+    <p:sldId id="260" r:id="rId6"/>
+    <p:sldId id="261" r:id="rId7"/>
   </p:sldIdLst>
   <p:sldSz cx="9144000" cy="6858000" type="screen4x3"/>
   <p:notesSz cx="6858000" cy="9144000"/>
@@ -8577,7 +8581,15 @@
           <a:p>
             <a:r>
               <a:rPr lang="en-US" dirty="0" smtClean="0"/>
-              <a:t>Support several useful implementations: function calls, array variables, control flow. </a:t>
+              <a:t>Support several useful implementations: function calls, array variables, control </a:t>
+            </a:r>
+            <a:r>
+              <a:rPr lang="en-US" dirty="0" smtClean="0"/>
+              <a:t>flow</a:t>
+            </a:r>
+            <a:r>
+              <a:rPr lang="en-US" dirty="0" smtClean="0"/>
+              <a:t>, recursion</a:t>
             </a:r>
             <a:endParaRPr lang="en-US" dirty="0"/>
           </a:p>
@@ -8587,6 +8599,470 @@
     <p:extLst>
       <p:ext uri="{BB962C8B-B14F-4D97-AF65-F5344CB8AC3E}">
         <p14:creationId xmlns:p14="http://schemas.microsoft.com/office/powerpoint/2010/main" val="3156379807"/>
+      </p:ext>
+    </p:extLst>
+  </p:cSld>
+  <p:clrMapOvr>
+    <a:masterClrMapping/>
+  </p:clrMapOvr>
+</p:sld>
+</file>
+
+<file path=ppt/slides/slide3.xml><?xml version="1.0" encoding="utf-8"?>
+<p:sld xmlns:a="http://schemas.openxmlformats.org/drawingml/2006/main" xmlns:r="http://schemas.openxmlformats.org/officeDocument/2006/relationships" xmlns:p="http://schemas.openxmlformats.org/presentationml/2006/main">
+  <p:cSld>
+    <p:spTree>
+      <p:nvGrpSpPr>
+        <p:cNvPr id="1" name=""/>
+        <p:cNvGrpSpPr/>
+        <p:nvPr/>
+      </p:nvGrpSpPr>
+      <p:grpSpPr>
+        <a:xfrm>
+          <a:off x="0" y="0"/>
+          <a:ext cx="0" cy="0"/>
+          <a:chOff x="0" y="0"/>
+          <a:chExt cx="0" cy="0"/>
+        </a:xfrm>
+      </p:grpSpPr>
+      <p:sp>
+        <p:nvSpPr>
+          <p:cNvPr id="2" name="Title 1"/>
+          <p:cNvSpPr>
+            <a:spLocks noGrp="1"/>
+          </p:cNvSpPr>
+          <p:nvPr>
+            <p:ph type="title"/>
+          </p:nvPr>
+        </p:nvSpPr>
+        <p:spPr/>
+        <p:txBody>
+          <a:bodyPr/>
+          <a:lstStyle/>
+          <a:p>
+            <a:r>
+              <a:rPr lang="en-US" dirty="0" smtClean="0"/>
+              <a:t>How to use?</a:t>
+            </a:r>
+            <a:endParaRPr lang="en-US" dirty="0"/>
+          </a:p>
+        </p:txBody>
+      </p:sp>
+      <p:sp>
+        <p:nvSpPr>
+          <p:cNvPr id="3" name="Content Placeholder 2"/>
+          <p:cNvSpPr>
+            <a:spLocks noGrp="1"/>
+          </p:cNvSpPr>
+          <p:nvPr>
+            <p:ph idx="1"/>
+          </p:nvPr>
+        </p:nvSpPr>
+        <p:spPr/>
+        <p:txBody>
+          <a:bodyPr>
+            <a:normAutofit/>
+          </a:bodyPr>
+          <a:lstStyle/>
+          <a:p>
+            <a:r>
+              <a:rPr lang="en-US" sz="2400" dirty="0" smtClean="0"/>
+              <a:t>Syntax is similar to Java and C</a:t>
+            </a:r>
+          </a:p>
+          <a:p>
+            <a:pPr lvl="1"/>
+            <a:r>
+              <a:rPr lang="en-US" sz="2000" dirty="0" smtClean="0"/>
+              <a:t>If, else, for, while loops are the same</a:t>
+            </a:r>
+          </a:p>
+          <a:p>
+            <a:pPr lvl="1"/>
+            <a:r>
+              <a:rPr lang="en-US" sz="2000" dirty="0" smtClean="0"/>
+              <a:t>Array access is similar</a:t>
+            </a:r>
+          </a:p>
+          <a:p>
+            <a:pPr lvl="1"/>
+            <a:r>
+              <a:rPr lang="en-US" sz="2000" dirty="0" smtClean="0"/>
+              <a:t>Uses primitives such as </a:t>
+            </a:r>
+            <a:r>
+              <a:rPr lang="en-US" sz="2000" dirty="0" err="1" smtClean="0"/>
+              <a:t>int</a:t>
+            </a:r>
+            <a:r>
+              <a:rPr lang="en-US" sz="2000" dirty="0" smtClean="0"/>
+              <a:t> and string</a:t>
+            </a:r>
+          </a:p>
+          <a:p>
+            <a:pPr lvl="1"/>
+            <a:endParaRPr lang="en-US" sz="2000" dirty="0"/>
+          </a:p>
+          <a:p>
+            <a:r>
+              <a:rPr lang="en-US" sz="2800" dirty="0" smtClean="0"/>
+              <a:t>However, it is also very different!</a:t>
+            </a:r>
+            <a:endParaRPr lang="en-US" sz="2800" dirty="0"/>
+          </a:p>
+        </p:txBody>
+      </p:sp>
+    </p:spTree>
+    <p:extLst>
+      <p:ext uri="{BB962C8B-B14F-4D97-AF65-F5344CB8AC3E}">
+        <p14:creationId xmlns:p14="http://schemas.microsoft.com/office/powerpoint/2010/main" val="4191572602"/>
+      </p:ext>
+    </p:extLst>
+  </p:cSld>
+  <p:clrMapOvr>
+    <a:masterClrMapping/>
+  </p:clrMapOvr>
+</p:sld>
+</file>
+
+<file path=ppt/slides/slide4.xml><?xml version="1.0" encoding="utf-8"?>
+<p:sld xmlns:a="http://schemas.openxmlformats.org/drawingml/2006/main" xmlns:r="http://schemas.openxmlformats.org/officeDocument/2006/relationships" xmlns:p="http://schemas.openxmlformats.org/presentationml/2006/main">
+  <p:cSld>
+    <p:spTree>
+      <p:nvGrpSpPr>
+        <p:cNvPr id="1" name=""/>
+        <p:cNvGrpSpPr/>
+        <p:nvPr/>
+      </p:nvGrpSpPr>
+      <p:grpSpPr>
+        <a:xfrm>
+          <a:off x="0" y="0"/>
+          <a:ext cx="0" cy="0"/>
+          <a:chOff x="0" y="0"/>
+          <a:chExt cx="0" cy="0"/>
+        </a:xfrm>
+      </p:grpSpPr>
+      <p:sp>
+        <p:nvSpPr>
+          <p:cNvPr id="2" name="Title 1"/>
+          <p:cNvSpPr>
+            <a:spLocks noGrp="1"/>
+          </p:cNvSpPr>
+          <p:nvPr>
+            <p:ph type="title"/>
+          </p:nvPr>
+        </p:nvSpPr>
+        <p:spPr/>
+        <p:txBody>
+          <a:bodyPr/>
+          <a:lstStyle/>
+          <a:p>
+            <a:r>
+              <a:rPr lang="en-US" dirty="0" smtClean="0"/>
+              <a:t>Data Types</a:t>
+            </a:r>
+            <a:endParaRPr lang="en-US" dirty="0"/>
+          </a:p>
+        </p:txBody>
+      </p:sp>
+      <p:sp>
+        <p:nvSpPr>
+          <p:cNvPr id="3" name="Content Placeholder 2"/>
+          <p:cNvSpPr>
+            <a:spLocks noGrp="1"/>
+          </p:cNvSpPr>
+          <p:nvPr>
+            <p:ph idx="1"/>
+          </p:nvPr>
+        </p:nvSpPr>
+        <p:spPr>
+          <a:xfrm>
+            <a:off x="498474" y="1600200"/>
+            <a:ext cx="7556313" cy="4525963"/>
+          </a:xfrm>
+        </p:spPr>
+        <p:txBody>
+          <a:bodyPr>
+            <a:normAutofit fontScale="92500"/>
+          </a:bodyPr>
+          <a:lstStyle/>
+          <a:p>
+            <a:r>
+              <a:rPr lang="en-US" dirty="0" smtClean="0"/>
+              <a:t>Brick</a:t>
+            </a:r>
+          </a:p>
+          <a:p>
+            <a:pPr lvl="1"/>
+            <a:r>
+              <a:rPr lang="en-US" dirty="0" smtClean="0"/>
+              <a:t>RGB values, Pointer to an Array, and X and Y coordinates</a:t>
+            </a:r>
+          </a:p>
+          <a:p>
+            <a:pPr lvl="2"/>
+            <a:r>
+              <a:rPr lang="en-US" dirty="0" smtClean="0"/>
+              <a:t>RGB are three </a:t>
+            </a:r>
+            <a:r>
+              <a:rPr lang="en-US" dirty="0" err="1" smtClean="0"/>
+              <a:t>ints</a:t>
+            </a:r>
+            <a:endParaRPr lang="en-US" dirty="0" smtClean="0"/>
+          </a:p>
+          <a:p>
+            <a:pPr lvl="2"/>
+            <a:r>
+              <a:rPr lang="en-US" dirty="0" smtClean="0"/>
+              <a:t>The Array contains a list of points that creates the shape</a:t>
+            </a:r>
+          </a:p>
+          <a:p>
+            <a:pPr lvl="2"/>
+            <a:r>
+              <a:rPr lang="en-US" dirty="0" smtClean="0"/>
+              <a:t>X and Y coordinates marks where the Brick is on the display</a:t>
+            </a:r>
+            <a:endParaRPr lang="en-US" dirty="0"/>
+          </a:p>
+          <a:p>
+            <a:r>
+              <a:rPr lang="en-US" dirty="0" smtClean="0"/>
+              <a:t>Player</a:t>
+            </a:r>
+          </a:p>
+          <a:p>
+            <a:pPr lvl="1"/>
+            <a:r>
+              <a:rPr lang="en-US" dirty="0" smtClean="0"/>
+              <a:t>RGB values, Pointer to an Array, and Y coordinate</a:t>
+            </a:r>
+          </a:p>
+          <a:p>
+            <a:pPr lvl="2"/>
+            <a:r>
+              <a:rPr lang="en-US" dirty="0" smtClean="0"/>
+              <a:t>Player only moves vertically (similar to that in the helicopter game)</a:t>
+            </a:r>
+            <a:endParaRPr lang="en-US" dirty="0"/>
+          </a:p>
+          <a:p>
+            <a:r>
+              <a:rPr lang="en-US" dirty="0" smtClean="0"/>
+              <a:t>Map</a:t>
+            </a:r>
+          </a:p>
+          <a:p>
+            <a:pPr lvl="1"/>
+            <a:r>
+              <a:rPr lang="en-US" dirty="0" smtClean="0"/>
+              <a:t>Height, Width, and pointer to a function</a:t>
+            </a:r>
+          </a:p>
+          <a:p>
+            <a:pPr lvl="2"/>
+            <a:r>
+              <a:rPr lang="en-US" dirty="0" smtClean="0"/>
+              <a:t>Size of the map</a:t>
+            </a:r>
+          </a:p>
+          <a:p>
+            <a:pPr lvl="2"/>
+            <a:r>
+              <a:rPr lang="en-US" dirty="0" smtClean="0"/>
+              <a:t>The function generates and returns an array of bricks</a:t>
+            </a:r>
+          </a:p>
+          <a:p>
+            <a:pPr lvl="1"/>
+            <a:endParaRPr lang="en-US" dirty="0"/>
+          </a:p>
+        </p:txBody>
+      </p:sp>
+    </p:spTree>
+    <p:extLst>
+      <p:ext uri="{BB962C8B-B14F-4D97-AF65-F5344CB8AC3E}">
+        <p14:creationId xmlns:p14="http://schemas.microsoft.com/office/powerpoint/2010/main" val="1233735992"/>
+      </p:ext>
+    </p:extLst>
+  </p:cSld>
+  <p:clrMapOvr>
+    <a:masterClrMapping/>
+  </p:clrMapOvr>
+</p:sld>
+</file>
+
+<file path=ppt/slides/slide5.xml><?xml version="1.0" encoding="utf-8"?>
+<p:sld xmlns:a="http://schemas.openxmlformats.org/drawingml/2006/main" xmlns:r="http://schemas.openxmlformats.org/officeDocument/2006/relationships" xmlns:p="http://schemas.openxmlformats.org/presentationml/2006/main">
+  <p:cSld>
+    <p:spTree>
+      <p:nvGrpSpPr>
+        <p:cNvPr id="1" name=""/>
+        <p:cNvGrpSpPr/>
+        <p:nvPr/>
+      </p:nvGrpSpPr>
+      <p:grpSpPr>
+        <a:xfrm>
+          <a:off x="0" y="0"/>
+          <a:ext cx="0" cy="0"/>
+          <a:chOff x="0" y="0"/>
+          <a:chExt cx="0" cy="0"/>
+        </a:xfrm>
+      </p:grpSpPr>
+      <p:sp>
+        <p:nvSpPr>
+          <p:cNvPr id="2" name="Title 1"/>
+          <p:cNvSpPr>
+            <a:spLocks noGrp="1"/>
+          </p:cNvSpPr>
+          <p:nvPr>
+            <p:ph type="title"/>
+          </p:nvPr>
+        </p:nvSpPr>
+        <p:spPr/>
+        <p:txBody>
+          <a:bodyPr/>
+          <a:lstStyle/>
+          <a:p>
+            <a:r>
+              <a:rPr lang="en-US" dirty="0" smtClean="0"/>
+              <a:t>Identifiers</a:t>
+            </a:r>
+            <a:endParaRPr lang="en-US" dirty="0"/>
+          </a:p>
+        </p:txBody>
+      </p:sp>
+      <p:sp>
+        <p:nvSpPr>
+          <p:cNvPr id="3" name="Content Placeholder 2"/>
+          <p:cNvSpPr>
+            <a:spLocks noGrp="1"/>
+          </p:cNvSpPr>
+          <p:nvPr>
+            <p:ph idx="1"/>
+          </p:nvPr>
+        </p:nvSpPr>
+        <p:spPr/>
+        <p:txBody>
+          <a:bodyPr>
+            <a:noAutofit/>
+          </a:bodyPr>
+          <a:lstStyle/>
+          <a:p>
+            <a:r>
+              <a:rPr lang="en-US" sz="2400" dirty="0" smtClean="0"/>
+              <a:t>We decided to start all identifiers with “$”. This makes spotting a variable name or function name very simple. And avoids confusion for both the user and the parser. </a:t>
+            </a:r>
+          </a:p>
+          <a:p>
+            <a:endParaRPr lang="en-US" sz="2400" dirty="0" smtClean="0"/>
+          </a:p>
+          <a:p>
+            <a:r>
+              <a:rPr lang="en-US" sz="2400" dirty="0" smtClean="0"/>
+              <a:t>The built in functions also needs “$” before the function name in order to remain consistent.</a:t>
+            </a:r>
+          </a:p>
+          <a:p>
+            <a:pPr lvl="1"/>
+            <a:r>
+              <a:rPr lang="en-US" sz="2000" dirty="0" smtClean="0"/>
+              <a:t>E.g. $Run, $</a:t>
+            </a:r>
+            <a:r>
+              <a:rPr lang="en-US" sz="2000" dirty="0" err="1" smtClean="0"/>
+              <a:t>printint</a:t>
+            </a:r>
+            <a:r>
+              <a:rPr lang="en-US" sz="2000" dirty="0" smtClean="0"/>
+              <a:t>, $</a:t>
+            </a:r>
+            <a:r>
+              <a:rPr lang="en-US" sz="2000" dirty="0" err="1" smtClean="0"/>
+              <a:t>printstring</a:t>
+            </a:r>
+            <a:r>
+              <a:rPr lang="en-US" sz="2000" dirty="0" smtClean="0"/>
+              <a:t>, $</a:t>
+            </a:r>
+            <a:r>
+              <a:rPr lang="en-US" sz="2000" dirty="0" err="1" smtClean="0"/>
+              <a:t>GenerateRandomInt</a:t>
+            </a:r>
+            <a:r>
+              <a:rPr lang="en-US" sz="2000" dirty="0" smtClean="0"/>
+              <a:t>, etc.</a:t>
+            </a:r>
+            <a:endParaRPr lang="en-US" sz="2000" dirty="0"/>
+          </a:p>
+          <a:p>
+            <a:endParaRPr lang="en-US" sz="2400" dirty="0"/>
+          </a:p>
+        </p:txBody>
+      </p:sp>
+    </p:spTree>
+    <p:extLst>
+      <p:ext uri="{BB962C8B-B14F-4D97-AF65-F5344CB8AC3E}">
+        <p14:creationId xmlns:p14="http://schemas.microsoft.com/office/powerpoint/2010/main" val="309709090"/>
+      </p:ext>
+    </p:extLst>
+  </p:cSld>
+  <p:clrMapOvr>
+    <a:masterClrMapping/>
+  </p:clrMapOvr>
+</p:sld>
+</file>
+
+<file path=ppt/slides/slide6.xml><?xml version="1.0" encoding="utf-8"?>
+<p:sld xmlns:a="http://schemas.openxmlformats.org/drawingml/2006/main" xmlns:r="http://schemas.openxmlformats.org/officeDocument/2006/relationships" xmlns:p="http://schemas.openxmlformats.org/presentationml/2006/main">
+  <p:cSld>
+    <p:spTree>
+      <p:nvGrpSpPr>
+        <p:cNvPr id="1" name=""/>
+        <p:cNvGrpSpPr/>
+        <p:nvPr/>
+      </p:nvGrpSpPr>
+      <p:grpSpPr>
+        <a:xfrm>
+          <a:off x="0" y="0"/>
+          <a:ext cx="0" cy="0"/>
+          <a:chOff x="0" y="0"/>
+          <a:chExt cx="0" cy="0"/>
+        </a:xfrm>
+      </p:grpSpPr>
+      <p:sp>
+        <p:nvSpPr>
+          <p:cNvPr id="2" name="Title 1"/>
+          <p:cNvSpPr>
+            <a:spLocks noGrp="1"/>
+          </p:cNvSpPr>
+          <p:nvPr>
+            <p:ph type="title"/>
+          </p:nvPr>
+        </p:nvSpPr>
+        <p:spPr>
+          <a:xfrm>
+            <a:off x="3419123" y="2836064"/>
+            <a:ext cx="7556313" cy="1116106"/>
+          </a:xfrm>
+        </p:spPr>
+        <p:txBody>
+          <a:bodyPr/>
+          <a:lstStyle/>
+          <a:p>
+            <a:r>
+              <a:rPr lang="en-US" sz="5400" dirty="0" smtClean="0"/>
+              <a:t>Demo</a:t>
+            </a:r>
+            <a:endParaRPr lang="en-US" sz="5400" dirty="0"/>
+          </a:p>
+        </p:txBody>
+      </p:sp>
+    </p:spTree>
+    <p:extLst>
+      <p:ext uri="{BB962C8B-B14F-4D97-AF65-F5344CB8AC3E}">
+        <p14:creationId xmlns:p14="http://schemas.microsoft.com/office/powerpoint/2010/main" val="3712733585"/>
       </p:ext>
     </p:extLst>
   </p:cSld>
